--- a/ppt 16-9/1012.我的救赎者活者.pptx
+++ b/ppt 16-9/1012.我的救赎者活者.pptx
@@ -129,7 +129,7 @@
           <p:cNvPr id="2" name="标题 1">
             <a:extLst>
               <a:ext uri="{FF2B5EF4-FFF2-40B4-BE49-F238E27FC236}">
-                <a16:creationId xmlns:a16="http://schemas.microsoft.com/office/drawing/2014/main" id="{321FC0C2-E4CD-E163-5CD5-7E444ADDA99D}"/>
+                <a16:creationId xmlns:a16="http://schemas.microsoft.com/office/drawing/2014/main" id="{A3B622AA-1448-A5EE-1DCA-CEC3000C56DE}"/>
               </a:ext>
             </a:extLst>
           </p:cNvPr>
@@ -166,7 +166,7 @@
           <p:cNvPr id="3" name="副标题 2">
             <a:extLst>
               <a:ext uri="{FF2B5EF4-FFF2-40B4-BE49-F238E27FC236}">
-                <a16:creationId xmlns:a16="http://schemas.microsoft.com/office/drawing/2014/main" id="{67FCE4B2-E6D9-A0B9-9AA4-7E9EAC28823E}"/>
+                <a16:creationId xmlns:a16="http://schemas.microsoft.com/office/drawing/2014/main" id="{D66E746D-F801-BEE4-F8AB-8FEDFAB0F85F}"/>
               </a:ext>
             </a:extLst>
           </p:cNvPr>
@@ -236,7 +236,7 @@
           <p:cNvPr id="4" name="日期占位符 3">
             <a:extLst>
               <a:ext uri="{FF2B5EF4-FFF2-40B4-BE49-F238E27FC236}">
-                <a16:creationId xmlns:a16="http://schemas.microsoft.com/office/drawing/2014/main" id="{38E4EA61-74D6-8130-AA11-F4C9AE1CEC81}"/>
+                <a16:creationId xmlns:a16="http://schemas.microsoft.com/office/drawing/2014/main" id="{B3C66F78-4AD2-DD03-6A7F-7E8CAE3164BF}"/>
               </a:ext>
             </a:extLst>
           </p:cNvPr>
@@ -252,7 +252,7 @@
           <a:bodyPr/>
           <a:lstStyle/>
           <a:p>
-            <a:fld id="{AEED57B3-26CF-4075-992E-1A8E75572205}" type="datetimeFigureOut">
+            <a:fld id="{5478EBDD-5C39-420D-9922-9772A79DC9EF}" type="datetimeFigureOut">
               <a:rPr lang="zh-CN" altLang="en-US" smtClean="0"/>
               <a:t>2024/3/10</a:t>
             </a:fld>
@@ -265,7 +265,7 @@
           <p:cNvPr id="5" name="页脚占位符 4">
             <a:extLst>
               <a:ext uri="{FF2B5EF4-FFF2-40B4-BE49-F238E27FC236}">
-                <a16:creationId xmlns:a16="http://schemas.microsoft.com/office/drawing/2014/main" id="{6E1EDFCD-AD1E-7441-F477-BE8EEE0ACB16}"/>
+                <a16:creationId xmlns:a16="http://schemas.microsoft.com/office/drawing/2014/main" id="{0A360E39-81C8-E3BC-B262-05EABB0B18BB}"/>
               </a:ext>
             </a:extLst>
           </p:cNvPr>
@@ -290,7 +290,7 @@
           <p:cNvPr id="6" name="灯片编号占位符 5">
             <a:extLst>
               <a:ext uri="{FF2B5EF4-FFF2-40B4-BE49-F238E27FC236}">
-                <a16:creationId xmlns:a16="http://schemas.microsoft.com/office/drawing/2014/main" id="{033E9D20-CA98-DBF0-FD07-F84749E9C413}"/>
+                <a16:creationId xmlns:a16="http://schemas.microsoft.com/office/drawing/2014/main" id="{BB2432A4-8EA3-10CB-8602-0CBB487FC9E4}"/>
               </a:ext>
             </a:extLst>
           </p:cNvPr>
@@ -306,7 +306,7 @@
           <a:bodyPr/>
           <a:lstStyle/>
           <a:p>
-            <a:fld id="{1F10D7C8-BCCE-4694-974D-4DB771DDA9EF}" type="slidenum">
+            <a:fld id="{9F2026AC-A32D-49CD-B9D8-FF5A60EB7356}" type="slidenum">
               <a:rPr lang="zh-CN" altLang="en-US" smtClean="0"/>
               <a:t>‹#›</a:t>
             </a:fld>
@@ -317,7 +317,7 @@
     </p:spTree>
     <p:extLst>
       <p:ext uri="{BB962C8B-B14F-4D97-AF65-F5344CB8AC3E}">
-        <p14:creationId xmlns:p14="http://schemas.microsoft.com/office/powerpoint/2010/main" val="105980384"/>
+        <p14:creationId xmlns:p14="http://schemas.microsoft.com/office/powerpoint/2010/main" val="231365813"/>
       </p:ext>
     </p:extLst>
   </p:cSld>
@@ -349,7 +349,7 @@
           <p:cNvPr id="2" name="标题 1">
             <a:extLst>
               <a:ext uri="{FF2B5EF4-FFF2-40B4-BE49-F238E27FC236}">
-                <a16:creationId xmlns:a16="http://schemas.microsoft.com/office/drawing/2014/main" id="{CD2260B7-309D-9025-B4AF-91C875F9E955}"/>
+                <a16:creationId xmlns:a16="http://schemas.microsoft.com/office/drawing/2014/main" id="{A17883A7-6400-B757-F753-AA5FA73309A0}"/>
               </a:ext>
             </a:extLst>
           </p:cNvPr>
@@ -377,7 +377,7 @@
           <p:cNvPr id="3" name="竖排文字占位符 2">
             <a:extLst>
               <a:ext uri="{FF2B5EF4-FFF2-40B4-BE49-F238E27FC236}">
-                <a16:creationId xmlns:a16="http://schemas.microsoft.com/office/drawing/2014/main" id="{363FC21C-CD5E-1DA2-743B-68B21FA9315D}"/>
+                <a16:creationId xmlns:a16="http://schemas.microsoft.com/office/drawing/2014/main" id="{7D43D45C-1A3F-7812-8386-FD26B23E55F8}"/>
               </a:ext>
             </a:extLst>
           </p:cNvPr>
@@ -434,7 +434,7 @@
           <p:cNvPr id="4" name="日期占位符 3">
             <a:extLst>
               <a:ext uri="{FF2B5EF4-FFF2-40B4-BE49-F238E27FC236}">
-                <a16:creationId xmlns:a16="http://schemas.microsoft.com/office/drawing/2014/main" id="{EA187927-7331-7128-EB8B-A1209DD356A3}"/>
+                <a16:creationId xmlns:a16="http://schemas.microsoft.com/office/drawing/2014/main" id="{3924E874-5C70-CBBC-B964-2393903A5678}"/>
               </a:ext>
             </a:extLst>
           </p:cNvPr>
@@ -450,7 +450,7 @@
           <a:bodyPr/>
           <a:lstStyle/>
           <a:p>
-            <a:fld id="{AEED57B3-26CF-4075-992E-1A8E75572205}" type="datetimeFigureOut">
+            <a:fld id="{5478EBDD-5C39-420D-9922-9772A79DC9EF}" type="datetimeFigureOut">
               <a:rPr lang="zh-CN" altLang="en-US" smtClean="0"/>
               <a:t>2024/3/10</a:t>
             </a:fld>
@@ -463,7 +463,7 @@
           <p:cNvPr id="5" name="页脚占位符 4">
             <a:extLst>
               <a:ext uri="{FF2B5EF4-FFF2-40B4-BE49-F238E27FC236}">
-                <a16:creationId xmlns:a16="http://schemas.microsoft.com/office/drawing/2014/main" id="{E6F44B54-DB35-1470-89AA-65DDB77F3D0F}"/>
+                <a16:creationId xmlns:a16="http://schemas.microsoft.com/office/drawing/2014/main" id="{DEDBB817-80CE-98F0-049D-AF7B5BB2DBF8}"/>
               </a:ext>
             </a:extLst>
           </p:cNvPr>
@@ -488,7 +488,7 @@
           <p:cNvPr id="6" name="灯片编号占位符 5">
             <a:extLst>
               <a:ext uri="{FF2B5EF4-FFF2-40B4-BE49-F238E27FC236}">
-                <a16:creationId xmlns:a16="http://schemas.microsoft.com/office/drawing/2014/main" id="{C932412E-8E04-725C-A548-D3F02F521832}"/>
+                <a16:creationId xmlns:a16="http://schemas.microsoft.com/office/drawing/2014/main" id="{037909EF-C63B-5211-B321-DA1CD25C3D48}"/>
               </a:ext>
             </a:extLst>
           </p:cNvPr>
@@ -504,7 +504,7 @@
           <a:bodyPr/>
           <a:lstStyle/>
           <a:p>
-            <a:fld id="{1F10D7C8-BCCE-4694-974D-4DB771DDA9EF}" type="slidenum">
+            <a:fld id="{9F2026AC-A32D-49CD-B9D8-FF5A60EB7356}" type="slidenum">
               <a:rPr lang="zh-CN" altLang="en-US" smtClean="0"/>
               <a:t>‹#›</a:t>
             </a:fld>
@@ -515,7 +515,7 @@
     </p:spTree>
     <p:extLst>
       <p:ext uri="{BB962C8B-B14F-4D97-AF65-F5344CB8AC3E}">
-        <p14:creationId xmlns:p14="http://schemas.microsoft.com/office/powerpoint/2010/main" val="1314498482"/>
+        <p14:creationId xmlns:p14="http://schemas.microsoft.com/office/powerpoint/2010/main" val="357761506"/>
       </p:ext>
     </p:extLst>
   </p:cSld>
@@ -547,7 +547,7 @@
           <p:cNvPr id="2" name="竖排标题 1">
             <a:extLst>
               <a:ext uri="{FF2B5EF4-FFF2-40B4-BE49-F238E27FC236}">
-                <a16:creationId xmlns:a16="http://schemas.microsoft.com/office/drawing/2014/main" id="{406A79D0-3597-8AAC-94FA-1341326E6265}"/>
+                <a16:creationId xmlns:a16="http://schemas.microsoft.com/office/drawing/2014/main" id="{54FF13FD-0727-431D-3D53-A57664A38242}"/>
               </a:ext>
             </a:extLst>
           </p:cNvPr>
@@ -580,7 +580,7 @@
           <p:cNvPr id="3" name="竖排文字占位符 2">
             <a:extLst>
               <a:ext uri="{FF2B5EF4-FFF2-40B4-BE49-F238E27FC236}">
-                <a16:creationId xmlns:a16="http://schemas.microsoft.com/office/drawing/2014/main" id="{4BD9B54E-6407-8523-C4FB-EBED605C0A59}"/>
+                <a16:creationId xmlns:a16="http://schemas.microsoft.com/office/drawing/2014/main" id="{3C09C8FF-1111-2FD9-DCCE-CEA3B46A958C}"/>
               </a:ext>
             </a:extLst>
           </p:cNvPr>
@@ -642,7 +642,7 @@
           <p:cNvPr id="4" name="日期占位符 3">
             <a:extLst>
               <a:ext uri="{FF2B5EF4-FFF2-40B4-BE49-F238E27FC236}">
-                <a16:creationId xmlns:a16="http://schemas.microsoft.com/office/drawing/2014/main" id="{A1DD164B-BBD4-2CE2-ED6C-37D830EEADE7}"/>
+                <a16:creationId xmlns:a16="http://schemas.microsoft.com/office/drawing/2014/main" id="{D530613A-C472-D2A1-0707-17D13943BF0E}"/>
               </a:ext>
             </a:extLst>
           </p:cNvPr>
@@ -658,7 +658,7 @@
           <a:bodyPr/>
           <a:lstStyle/>
           <a:p>
-            <a:fld id="{AEED57B3-26CF-4075-992E-1A8E75572205}" type="datetimeFigureOut">
+            <a:fld id="{5478EBDD-5C39-420D-9922-9772A79DC9EF}" type="datetimeFigureOut">
               <a:rPr lang="zh-CN" altLang="en-US" smtClean="0"/>
               <a:t>2024/3/10</a:t>
             </a:fld>
@@ -671,7 +671,7 @@
           <p:cNvPr id="5" name="页脚占位符 4">
             <a:extLst>
               <a:ext uri="{FF2B5EF4-FFF2-40B4-BE49-F238E27FC236}">
-                <a16:creationId xmlns:a16="http://schemas.microsoft.com/office/drawing/2014/main" id="{4D7020FF-62AC-E8BE-1644-901F932840AF}"/>
+                <a16:creationId xmlns:a16="http://schemas.microsoft.com/office/drawing/2014/main" id="{ECDAC0A3-DED5-9C83-302A-431B7E2D7C62}"/>
               </a:ext>
             </a:extLst>
           </p:cNvPr>
@@ -696,7 +696,7 @@
           <p:cNvPr id="6" name="灯片编号占位符 5">
             <a:extLst>
               <a:ext uri="{FF2B5EF4-FFF2-40B4-BE49-F238E27FC236}">
-                <a16:creationId xmlns:a16="http://schemas.microsoft.com/office/drawing/2014/main" id="{8D2FC801-231A-DA30-91B5-B10004588067}"/>
+                <a16:creationId xmlns:a16="http://schemas.microsoft.com/office/drawing/2014/main" id="{32E4B443-33FB-40B9-9CC4-44799C2F3D40}"/>
               </a:ext>
             </a:extLst>
           </p:cNvPr>
@@ -712,7 +712,7 @@
           <a:bodyPr/>
           <a:lstStyle/>
           <a:p>
-            <a:fld id="{1F10D7C8-BCCE-4694-974D-4DB771DDA9EF}" type="slidenum">
+            <a:fld id="{9F2026AC-A32D-49CD-B9D8-FF5A60EB7356}" type="slidenum">
               <a:rPr lang="zh-CN" altLang="en-US" smtClean="0"/>
               <a:t>‹#›</a:t>
             </a:fld>
@@ -723,7 +723,7 @@
     </p:spTree>
     <p:extLst>
       <p:ext uri="{BB962C8B-B14F-4D97-AF65-F5344CB8AC3E}">
-        <p14:creationId xmlns:p14="http://schemas.microsoft.com/office/powerpoint/2010/main" val="3025229219"/>
+        <p14:creationId xmlns:p14="http://schemas.microsoft.com/office/powerpoint/2010/main" val="2667187751"/>
       </p:ext>
     </p:extLst>
   </p:cSld>
@@ -755,7 +755,7 @@
           <p:cNvPr id="2" name="标题 1">
             <a:extLst>
               <a:ext uri="{FF2B5EF4-FFF2-40B4-BE49-F238E27FC236}">
-                <a16:creationId xmlns:a16="http://schemas.microsoft.com/office/drawing/2014/main" id="{22A90C05-BDB1-7BF5-9F57-78ED0720D6D1}"/>
+                <a16:creationId xmlns:a16="http://schemas.microsoft.com/office/drawing/2014/main" id="{4666B3C2-8E97-B9FC-B01B-5060DCD9036C}"/>
               </a:ext>
             </a:extLst>
           </p:cNvPr>
@@ -783,7 +783,7 @@
           <p:cNvPr id="3" name="内容占位符 2">
             <a:extLst>
               <a:ext uri="{FF2B5EF4-FFF2-40B4-BE49-F238E27FC236}">
-                <a16:creationId xmlns:a16="http://schemas.microsoft.com/office/drawing/2014/main" id="{BC3AC984-7162-1E31-8C75-0A468436AC6D}"/>
+                <a16:creationId xmlns:a16="http://schemas.microsoft.com/office/drawing/2014/main" id="{857FC82D-CFAE-1B89-E293-697F0E0EB90C}"/>
               </a:ext>
             </a:extLst>
           </p:cNvPr>
@@ -840,7 +840,7 @@
           <p:cNvPr id="4" name="日期占位符 3">
             <a:extLst>
               <a:ext uri="{FF2B5EF4-FFF2-40B4-BE49-F238E27FC236}">
-                <a16:creationId xmlns:a16="http://schemas.microsoft.com/office/drawing/2014/main" id="{C6728540-EC4B-AC3B-7307-6DD9B17F991C}"/>
+                <a16:creationId xmlns:a16="http://schemas.microsoft.com/office/drawing/2014/main" id="{DE4F0DA2-3783-731D-3D22-5BEC69F9BBA7}"/>
               </a:ext>
             </a:extLst>
           </p:cNvPr>
@@ -856,7 +856,7 @@
           <a:bodyPr/>
           <a:lstStyle/>
           <a:p>
-            <a:fld id="{AEED57B3-26CF-4075-992E-1A8E75572205}" type="datetimeFigureOut">
+            <a:fld id="{5478EBDD-5C39-420D-9922-9772A79DC9EF}" type="datetimeFigureOut">
               <a:rPr lang="zh-CN" altLang="en-US" smtClean="0"/>
               <a:t>2024/3/10</a:t>
             </a:fld>
@@ -869,7 +869,7 @@
           <p:cNvPr id="5" name="页脚占位符 4">
             <a:extLst>
               <a:ext uri="{FF2B5EF4-FFF2-40B4-BE49-F238E27FC236}">
-                <a16:creationId xmlns:a16="http://schemas.microsoft.com/office/drawing/2014/main" id="{F4BC1C26-F5DE-51E2-005D-4CC6E87694FC}"/>
+                <a16:creationId xmlns:a16="http://schemas.microsoft.com/office/drawing/2014/main" id="{181A0FD6-0536-1A70-3A5F-CF9A7159ACFE}"/>
               </a:ext>
             </a:extLst>
           </p:cNvPr>
@@ -894,7 +894,7 @@
           <p:cNvPr id="6" name="灯片编号占位符 5">
             <a:extLst>
               <a:ext uri="{FF2B5EF4-FFF2-40B4-BE49-F238E27FC236}">
-                <a16:creationId xmlns:a16="http://schemas.microsoft.com/office/drawing/2014/main" id="{E0384D14-771B-9964-3AB7-2E1ED875005F}"/>
+                <a16:creationId xmlns:a16="http://schemas.microsoft.com/office/drawing/2014/main" id="{56245B22-580C-8E3D-462E-1B065CA85296}"/>
               </a:ext>
             </a:extLst>
           </p:cNvPr>
@@ -910,7 +910,7 @@
           <a:bodyPr/>
           <a:lstStyle/>
           <a:p>
-            <a:fld id="{1F10D7C8-BCCE-4694-974D-4DB771DDA9EF}" type="slidenum">
+            <a:fld id="{9F2026AC-A32D-49CD-B9D8-FF5A60EB7356}" type="slidenum">
               <a:rPr lang="zh-CN" altLang="en-US" smtClean="0"/>
               <a:t>‹#›</a:t>
             </a:fld>
@@ -921,7 +921,7 @@
     </p:spTree>
     <p:extLst>
       <p:ext uri="{BB962C8B-B14F-4D97-AF65-F5344CB8AC3E}">
-        <p14:creationId xmlns:p14="http://schemas.microsoft.com/office/powerpoint/2010/main" val="59927883"/>
+        <p14:creationId xmlns:p14="http://schemas.microsoft.com/office/powerpoint/2010/main" val="3347619671"/>
       </p:ext>
     </p:extLst>
   </p:cSld>
@@ -953,7 +953,7 @@
           <p:cNvPr id="2" name="标题 1">
             <a:extLst>
               <a:ext uri="{FF2B5EF4-FFF2-40B4-BE49-F238E27FC236}">
-                <a16:creationId xmlns:a16="http://schemas.microsoft.com/office/drawing/2014/main" id="{D5D6249D-81FA-8682-04D4-94CED39FE65F}"/>
+                <a16:creationId xmlns:a16="http://schemas.microsoft.com/office/drawing/2014/main" id="{8AA3965E-300A-EB8C-32E7-E15A4AFA86A0}"/>
               </a:ext>
             </a:extLst>
           </p:cNvPr>
@@ -990,7 +990,7 @@
           <p:cNvPr id="3" name="文本占位符 2">
             <a:extLst>
               <a:ext uri="{FF2B5EF4-FFF2-40B4-BE49-F238E27FC236}">
-                <a16:creationId xmlns:a16="http://schemas.microsoft.com/office/drawing/2014/main" id="{669AB165-2C2E-D814-DA81-87C23CCD5132}"/>
+                <a16:creationId xmlns:a16="http://schemas.microsoft.com/office/drawing/2014/main" id="{24DE04BB-3ABD-B7E5-5930-28688627A703}"/>
               </a:ext>
             </a:extLst>
           </p:cNvPr>
@@ -1115,7 +1115,7 @@
           <p:cNvPr id="4" name="日期占位符 3">
             <a:extLst>
               <a:ext uri="{FF2B5EF4-FFF2-40B4-BE49-F238E27FC236}">
-                <a16:creationId xmlns:a16="http://schemas.microsoft.com/office/drawing/2014/main" id="{E8EC0DB1-D32E-06C9-12F7-8486C436233A}"/>
+                <a16:creationId xmlns:a16="http://schemas.microsoft.com/office/drawing/2014/main" id="{93BB626F-4E3E-56DB-509E-34115B3422A9}"/>
               </a:ext>
             </a:extLst>
           </p:cNvPr>
@@ -1131,7 +1131,7 @@
           <a:bodyPr/>
           <a:lstStyle/>
           <a:p>
-            <a:fld id="{AEED57B3-26CF-4075-992E-1A8E75572205}" type="datetimeFigureOut">
+            <a:fld id="{5478EBDD-5C39-420D-9922-9772A79DC9EF}" type="datetimeFigureOut">
               <a:rPr lang="zh-CN" altLang="en-US" smtClean="0"/>
               <a:t>2024/3/10</a:t>
             </a:fld>
@@ -1144,7 +1144,7 @@
           <p:cNvPr id="5" name="页脚占位符 4">
             <a:extLst>
               <a:ext uri="{FF2B5EF4-FFF2-40B4-BE49-F238E27FC236}">
-                <a16:creationId xmlns:a16="http://schemas.microsoft.com/office/drawing/2014/main" id="{D0F80DAB-69AF-CFEA-1F61-4BD38AE70912}"/>
+                <a16:creationId xmlns:a16="http://schemas.microsoft.com/office/drawing/2014/main" id="{FA7EAE08-91A6-37F2-B195-34F23333C61F}"/>
               </a:ext>
             </a:extLst>
           </p:cNvPr>
@@ -1169,7 +1169,7 @@
           <p:cNvPr id="6" name="灯片编号占位符 5">
             <a:extLst>
               <a:ext uri="{FF2B5EF4-FFF2-40B4-BE49-F238E27FC236}">
-                <a16:creationId xmlns:a16="http://schemas.microsoft.com/office/drawing/2014/main" id="{AA27CB36-8D5A-DDAB-8095-956DFA906EA0}"/>
+                <a16:creationId xmlns:a16="http://schemas.microsoft.com/office/drawing/2014/main" id="{10D10B98-864A-4C6C-D57E-39F62D699287}"/>
               </a:ext>
             </a:extLst>
           </p:cNvPr>
@@ -1185,7 +1185,7 @@
           <a:bodyPr/>
           <a:lstStyle/>
           <a:p>
-            <a:fld id="{1F10D7C8-BCCE-4694-974D-4DB771DDA9EF}" type="slidenum">
+            <a:fld id="{9F2026AC-A32D-49CD-B9D8-FF5A60EB7356}" type="slidenum">
               <a:rPr lang="zh-CN" altLang="en-US" smtClean="0"/>
               <a:t>‹#›</a:t>
             </a:fld>
@@ -1196,7 +1196,7 @@
     </p:spTree>
     <p:extLst>
       <p:ext uri="{BB962C8B-B14F-4D97-AF65-F5344CB8AC3E}">
-        <p14:creationId xmlns:p14="http://schemas.microsoft.com/office/powerpoint/2010/main" val="3373513931"/>
+        <p14:creationId xmlns:p14="http://schemas.microsoft.com/office/powerpoint/2010/main" val="1911036340"/>
       </p:ext>
     </p:extLst>
   </p:cSld>
@@ -1228,7 +1228,7 @@
           <p:cNvPr id="2" name="标题 1">
             <a:extLst>
               <a:ext uri="{FF2B5EF4-FFF2-40B4-BE49-F238E27FC236}">
-                <a16:creationId xmlns:a16="http://schemas.microsoft.com/office/drawing/2014/main" id="{CB8F0701-6026-F2E9-887A-C27C37D0513B}"/>
+                <a16:creationId xmlns:a16="http://schemas.microsoft.com/office/drawing/2014/main" id="{E9F9917B-761E-3B8A-8756-2AF8836BCD9B}"/>
               </a:ext>
             </a:extLst>
           </p:cNvPr>
@@ -1256,7 +1256,7 @@
           <p:cNvPr id="3" name="内容占位符 2">
             <a:extLst>
               <a:ext uri="{FF2B5EF4-FFF2-40B4-BE49-F238E27FC236}">
-                <a16:creationId xmlns:a16="http://schemas.microsoft.com/office/drawing/2014/main" id="{EFD42E71-387E-28D5-5F6D-F188BCFBAF8E}"/>
+                <a16:creationId xmlns:a16="http://schemas.microsoft.com/office/drawing/2014/main" id="{4A913524-FDD0-AF3F-804A-E5BEE7C591F7}"/>
               </a:ext>
             </a:extLst>
           </p:cNvPr>
@@ -1318,7 +1318,7 @@
           <p:cNvPr id="4" name="内容占位符 3">
             <a:extLst>
               <a:ext uri="{FF2B5EF4-FFF2-40B4-BE49-F238E27FC236}">
-                <a16:creationId xmlns:a16="http://schemas.microsoft.com/office/drawing/2014/main" id="{003FD6BB-797D-FF0D-0436-E37168E720C8}"/>
+                <a16:creationId xmlns:a16="http://schemas.microsoft.com/office/drawing/2014/main" id="{46B8E6D6-B94D-8CF3-E9E3-04B7079AC233}"/>
               </a:ext>
             </a:extLst>
           </p:cNvPr>
@@ -1380,7 +1380,7 @@
           <p:cNvPr id="5" name="日期占位符 4">
             <a:extLst>
               <a:ext uri="{FF2B5EF4-FFF2-40B4-BE49-F238E27FC236}">
-                <a16:creationId xmlns:a16="http://schemas.microsoft.com/office/drawing/2014/main" id="{186567BE-02D2-A64D-AD33-64287436199B}"/>
+                <a16:creationId xmlns:a16="http://schemas.microsoft.com/office/drawing/2014/main" id="{DC0474B4-AC5F-8656-75FE-E6C78A60ACA3}"/>
               </a:ext>
             </a:extLst>
           </p:cNvPr>
@@ -1396,7 +1396,7 @@
           <a:bodyPr/>
           <a:lstStyle/>
           <a:p>
-            <a:fld id="{AEED57B3-26CF-4075-992E-1A8E75572205}" type="datetimeFigureOut">
+            <a:fld id="{5478EBDD-5C39-420D-9922-9772A79DC9EF}" type="datetimeFigureOut">
               <a:rPr lang="zh-CN" altLang="en-US" smtClean="0"/>
               <a:t>2024/3/10</a:t>
             </a:fld>
@@ -1409,7 +1409,7 @@
           <p:cNvPr id="6" name="页脚占位符 5">
             <a:extLst>
               <a:ext uri="{FF2B5EF4-FFF2-40B4-BE49-F238E27FC236}">
-                <a16:creationId xmlns:a16="http://schemas.microsoft.com/office/drawing/2014/main" id="{6C172930-20C7-6AFE-6888-F9354F2D7138}"/>
+                <a16:creationId xmlns:a16="http://schemas.microsoft.com/office/drawing/2014/main" id="{43D9D81F-0C8B-033A-CC40-843F64B07F7A}"/>
               </a:ext>
             </a:extLst>
           </p:cNvPr>
@@ -1434,7 +1434,7 @@
           <p:cNvPr id="7" name="灯片编号占位符 6">
             <a:extLst>
               <a:ext uri="{FF2B5EF4-FFF2-40B4-BE49-F238E27FC236}">
-                <a16:creationId xmlns:a16="http://schemas.microsoft.com/office/drawing/2014/main" id="{43A8A2A0-E259-4985-D383-69739958E5E1}"/>
+                <a16:creationId xmlns:a16="http://schemas.microsoft.com/office/drawing/2014/main" id="{938B88F0-CE71-D64B-5AC9-0EE84CF8B5F5}"/>
               </a:ext>
             </a:extLst>
           </p:cNvPr>
@@ -1450,7 +1450,7 @@
           <a:bodyPr/>
           <a:lstStyle/>
           <a:p>
-            <a:fld id="{1F10D7C8-BCCE-4694-974D-4DB771DDA9EF}" type="slidenum">
+            <a:fld id="{9F2026AC-A32D-49CD-B9D8-FF5A60EB7356}" type="slidenum">
               <a:rPr lang="zh-CN" altLang="en-US" smtClean="0"/>
               <a:t>‹#›</a:t>
             </a:fld>
@@ -1461,7 +1461,7 @@
     </p:spTree>
     <p:extLst>
       <p:ext uri="{BB962C8B-B14F-4D97-AF65-F5344CB8AC3E}">
-        <p14:creationId xmlns:p14="http://schemas.microsoft.com/office/powerpoint/2010/main" val="1545837768"/>
+        <p14:creationId xmlns:p14="http://schemas.microsoft.com/office/powerpoint/2010/main" val="2131165371"/>
       </p:ext>
     </p:extLst>
   </p:cSld>
@@ -1493,7 +1493,7 @@
           <p:cNvPr id="2" name="标题 1">
             <a:extLst>
               <a:ext uri="{FF2B5EF4-FFF2-40B4-BE49-F238E27FC236}">
-                <a16:creationId xmlns:a16="http://schemas.microsoft.com/office/drawing/2014/main" id="{014F6189-CBB7-038D-4FEF-4599232E5619}"/>
+                <a16:creationId xmlns:a16="http://schemas.microsoft.com/office/drawing/2014/main" id="{06DF5F19-2B5D-A7DC-5626-8105E9E42F8B}"/>
               </a:ext>
             </a:extLst>
           </p:cNvPr>
@@ -1526,7 +1526,7 @@
           <p:cNvPr id="3" name="文本占位符 2">
             <a:extLst>
               <a:ext uri="{FF2B5EF4-FFF2-40B4-BE49-F238E27FC236}">
-                <a16:creationId xmlns:a16="http://schemas.microsoft.com/office/drawing/2014/main" id="{11309FDF-9D43-60D7-F533-78F713EB5D5F}"/>
+                <a16:creationId xmlns:a16="http://schemas.microsoft.com/office/drawing/2014/main" id="{A2BDD7FC-CFB4-2A04-0958-F096C0C22B1C}"/>
               </a:ext>
             </a:extLst>
           </p:cNvPr>
@@ -1597,7 +1597,7 @@
           <p:cNvPr id="4" name="内容占位符 3">
             <a:extLst>
               <a:ext uri="{FF2B5EF4-FFF2-40B4-BE49-F238E27FC236}">
-                <a16:creationId xmlns:a16="http://schemas.microsoft.com/office/drawing/2014/main" id="{6726B3D8-E241-FBB4-1F8F-D9C14FEFE513}"/>
+                <a16:creationId xmlns:a16="http://schemas.microsoft.com/office/drawing/2014/main" id="{6500BC2D-6480-F21E-90C0-591B264F1708}"/>
               </a:ext>
             </a:extLst>
           </p:cNvPr>
@@ -1659,7 +1659,7 @@
           <p:cNvPr id="5" name="文本占位符 4">
             <a:extLst>
               <a:ext uri="{FF2B5EF4-FFF2-40B4-BE49-F238E27FC236}">
-                <a16:creationId xmlns:a16="http://schemas.microsoft.com/office/drawing/2014/main" id="{D23AE64A-71C8-9EBE-4352-F460FF446467}"/>
+                <a16:creationId xmlns:a16="http://schemas.microsoft.com/office/drawing/2014/main" id="{B4FB0DFD-E045-BBF5-0D81-E16DEB9B442C}"/>
               </a:ext>
             </a:extLst>
           </p:cNvPr>
@@ -1730,7 +1730,7 @@
           <p:cNvPr id="6" name="内容占位符 5">
             <a:extLst>
               <a:ext uri="{FF2B5EF4-FFF2-40B4-BE49-F238E27FC236}">
-                <a16:creationId xmlns:a16="http://schemas.microsoft.com/office/drawing/2014/main" id="{263047B4-C95C-0503-B07C-1DA9B4308006}"/>
+                <a16:creationId xmlns:a16="http://schemas.microsoft.com/office/drawing/2014/main" id="{3778E0E3-0020-30B1-E87E-C3E2444AFE11}"/>
               </a:ext>
             </a:extLst>
           </p:cNvPr>
@@ -1792,7 +1792,7 @@
           <p:cNvPr id="7" name="日期占位符 6">
             <a:extLst>
               <a:ext uri="{FF2B5EF4-FFF2-40B4-BE49-F238E27FC236}">
-                <a16:creationId xmlns:a16="http://schemas.microsoft.com/office/drawing/2014/main" id="{0E3F89E0-54E6-43E8-185B-4BDFE94F0274}"/>
+                <a16:creationId xmlns:a16="http://schemas.microsoft.com/office/drawing/2014/main" id="{9FD3F972-441A-4EB2-BFFF-327CE777F169}"/>
               </a:ext>
             </a:extLst>
           </p:cNvPr>
@@ -1808,7 +1808,7 @@
           <a:bodyPr/>
           <a:lstStyle/>
           <a:p>
-            <a:fld id="{AEED57B3-26CF-4075-992E-1A8E75572205}" type="datetimeFigureOut">
+            <a:fld id="{5478EBDD-5C39-420D-9922-9772A79DC9EF}" type="datetimeFigureOut">
               <a:rPr lang="zh-CN" altLang="en-US" smtClean="0"/>
               <a:t>2024/3/10</a:t>
             </a:fld>
@@ -1821,7 +1821,7 @@
           <p:cNvPr id="8" name="页脚占位符 7">
             <a:extLst>
               <a:ext uri="{FF2B5EF4-FFF2-40B4-BE49-F238E27FC236}">
-                <a16:creationId xmlns:a16="http://schemas.microsoft.com/office/drawing/2014/main" id="{56D9328E-F4FA-8F33-4A77-117357D0216E}"/>
+                <a16:creationId xmlns:a16="http://schemas.microsoft.com/office/drawing/2014/main" id="{AFF07E83-F4A9-8647-9954-F8EF9A28B408}"/>
               </a:ext>
             </a:extLst>
           </p:cNvPr>
@@ -1846,7 +1846,7 @@
           <p:cNvPr id="9" name="灯片编号占位符 8">
             <a:extLst>
               <a:ext uri="{FF2B5EF4-FFF2-40B4-BE49-F238E27FC236}">
-                <a16:creationId xmlns:a16="http://schemas.microsoft.com/office/drawing/2014/main" id="{078663D7-A0D6-6065-577B-02ACC0A33B3D}"/>
+                <a16:creationId xmlns:a16="http://schemas.microsoft.com/office/drawing/2014/main" id="{5F76C047-93FE-40E4-DB1F-7C6787BD7F42}"/>
               </a:ext>
             </a:extLst>
           </p:cNvPr>
@@ -1862,7 +1862,7 @@
           <a:bodyPr/>
           <a:lstStyle/>
           <a:p>
-            <a:fld id="{1F10D7C8-BCCE-4694-974D-4DB771DDA9EF}" type="slidenum">
+            <a:fld id="{9F2026AC-A32D-49CD-B9D8-FF5A60EB7356}" type="slidenum">
               <a:rPr lang="zh-CN" altLang="en-US" smtClean="0"/>
               <a:t>‹#›</a:t>
             </a:fld>
@@ -1873,7 +1873,7 @@
     </p:spTree>
     <p:extLst>
       <p:ext uri="{BB962C8B-B14F-4D97-AF65-F5344CB8AC3E}">
-        <p14:creationId xmlns:p14="http://schemas.microsoft.com/office/powerpoint/2010/main" val="389440243"/>
+        <p14:creationId xmlns:p14="http://schemas.microsoft.com/office/powerpoint/2010/main" val="2911648864"/>
       </p:ext>
     </p:extLst>
   </p:cSld>
@@ -1905,7 +1905,7 @@
           <p:cNvPr id="2" name="标题 1">
             <a:extLst>
               <a:ext uri="{FF2B5EF4-FFF2-40B4-BE49-F238E27FC236}">
-                <a16:creationId xmlns:a16="http://schemas.microsoft.com/office/drawing/2014/main" id="{73B30E85-D26A-8ADD-01EF-1016F815A81F}"/>
+                <a16:creationId xmlns:a16="http://schemas.microsoft.com/office/drawing/2014/main" id="{60BC4111-37C3-4790-FBFB-98CEE9E22576}"/>
               </a:ext>
             </a:extLst>
           </p:cNvPr>
@@ -1933,7 +1933,7 @@
           <p:cNvPr id="3" name="日期占位符 2">
             <a:extLst>
               <a:ext uri="{FF2B5EF4-FFF2-40B4-BE49-F238E27FC236}">
-                <a16:creationId xmlns:a16="http://schemas.microsoft.com/office/drawing/2014/main" id="{9E37F0CF-A1DC-B8DC-7C81-E6984460229B}"/>
+                <a16:creationId xmlns:a16="http://schemas.microsoft.com/office/drawing/2014/main" id="{19BB94B5-95EC-2ECE-050C-7E903C886513}"/>
               </a:ext>
             </a:extLst>
           </p:cNvPr>
@@ -1949,7 +1949,7 @@
           <a:bodyPr/>
           <a:lstStyle/>
           <a:p>
-            <a:fld id="{AEED57B3-26CF-4075-992E-1A8E75572205}" type="datetimeFigureOut">
+            <a:fld id="{5478EBDD-5C39-420D-9922-9772A79DC9EF}" type="datetimeFigureOut">
               <a:rPr lang="zh-CN" altLang="en-US" smtClean="0"/>
               <a:t>2024/3/10</a:t>
             </a:fld>
@@ -1962,7 +1962,7 @@
           <p:cNvPr id="4" name="页脚占位符 3">
             <a:extLst>
               <a:ext uri="{FF2B5EF4-FFF2-40B4-BE49-F238E27FC236}">
-                <a16:creationId xmlns:a16="http://schemas.microsoft.com/office/drawing/2014/main" id="{A947BF67-FC13-6C8F-D76A-92AF3174E847}"/>
+                <a16:creationId xmlns:a16="http://schemas.microsoft.com/office/drawing/2014/main" id="{F0F6B8C5-30DA-C973-6E99-B0772E78FE31}"/>
               </a:ext>
             </a:extLst>
           </p:cNvPr>
@@ -1987,7 +1987,7 @@
           <p:cNvPr id="5" name="灯片编号占位符 4">
             <a:extLst>
               <a:ext uri="{FF2B5EF4-FFF2-40B4-BE49-F238E27FC236}">
-                <a16:creationId xmlns:a16="http://schemas.microsoft.com/office/drawing/2014/main" id="{6EF41B8F-87C6-95FC-EDFA-66764B32A289}"/>
+                <a16:creationId xmlns:a16="http://schemas.microsoft.com/office/drawing/2014/main" id="{E2D6C9FB-ADD0-BDB3-03B6-5095D7D66B19}"/>
               </a:ext>
             </a:extLst>
           </p:cNvPr>
@@ -2003,7 +2003,7 @@
           <a:bodyPr/>
           <a:lstStyle/>
           <a:p>
-            <a:fld id="{1F10D7C8-BCCE-4694-974D-4DB771DDA9EF}" type="slidenum">
+            <a:fld id="{9F2026AC-A32D-49CD-B9D8-FF5A60EB7356}" type="slidenum">
               <a:rPr lang="zh-CN" altLang="en-US" smtClean="0"/>
               <a:t>‹#›</a:t>
             </a:fld>
@@ -2014,7 +2014,7 @@
     </p:spTree>
     <p:extLst>
       <p:ext uri="{BB962C8B-B14F-4D97-AF65-F5344CB8AC3E}">
-        <p14:creationId xmlns:p14="http://schemas.microsoft.com/office/powerpoint/2010/main" val="949667328"/>
+        <p14:creationId xmlns:p14="http://schemas.microsoft.com/office/powerpoint/2010/main" val="3629711051"/>
       </p:ext>
     </p:extLst>
   </p:cSld>
@@ -2046,7 +2046,7 @@
           <p:cNvPr id="2" name="日期占位符 1">
             <a:extLst>
               <a:ext uri="{FF2B5EF4-FFF2-40B4-BE49-F238E27FC236}">
-                <a16:creationId xmlns:a16="http://schemas.microsoft.com/office/drawing/2014/main" id="{9BE49B8B-B117-5369-FC7B-97D427292BB0}"/>
+                <a16:creationId xmlns:a16="http://schemas.microsoft.com/office/drawing/2014/main" id="{D394CDE5-6F5B-DFFC-F8BC-B08D8D168D67}"/>
               </a:ext>
             </a:extLst>
           </p:cNvPr>
@@ -2062,7 +2062,7 @@
           <a:bodyPr/>
           <a:lstStyle/>
           <a:p>
-            <a:fld id="{AEED57B3-26CF-4075-992E-1A8E75572205}" type="datetimeFigureOut">
+            <a:fld id="{5478EBDD-5C39-420D-9922-9772A79DC9EF}" type="datetimeFigureOut">
               <a:rPr lang="zh-CN" altLang="en-US" smtClean="0"/>
               <a:t>2024/3/10</a:t>
             </a:fld>
@@ -2075,7 +2075,7 @@
           <p:cNvPr id="3" name="页脚占位符 2">
             <a:extLst>
               <a:ext uri="{FF2B5EF4-FFF2-40B4-BE49-F238E27FC236}">
-                <a16:creationId xmlns:a16="http://schemas.microsoft.com/office/drawing/2014/main" id="{DA43E37F-B945-9EED-822E-27B4C2B13339}"/>
+                <a16:creationId xmlns:a16="http://schemas.microsoft.com/office/drawing/2014/main" id="{98613BBA-7719-8D8A-C643-8780DA80CD6C}"/>
               </a:ext>
             </a:extLst>
           </p:cNvPr>
@@ -2100,7 +2100,7 @@
           <p:cNvPr id="4" name="灯片编号占位符 3">
             <a:extLst>
               <a:ext uri="{FF2B5EF4-FFF2-40B4-BE49-F238E27FC236}">
-                <a16:creationId xmlns:a16="http://schemas.microsoft.com/office/drawing/2014/main" id="{D4F6F2F0-3C8D-E65D-2B95-EF44B12D7F06}"/>
+                <a16:creationId xmlns:a16="http://schemas.microsoft.com/office/drawing/2014/main" id="{DA8B0CDB-6558-6996-EADF-6D7D01758E21}"/>
               </a:ext>
             </a:extLst>
           </p:cNvPr>
@@ -2116,7 +2116,7 @@
           <a:bodyPr/>
           <a:lstStyle/>
           <a:p>
-            <a:fld id="{1F10D7C8-BCCE-4694-974D-4DB771DDA9EF}" type="slidenum">
+            <a:fld id="{9F2026AC-A32D-49CD-B9D8-FF5A60EB7356}" type="slidenum">
               <a:rPr lang="zh-CN" altLang="en-US" smtClean="0"/>
               <a:t>‹#›</a:t>
             </a:fld>
@@ -2127,7 +2127,7 @@
     </p:spTree>
     <p:extLst>
       <p:ext uri="{BB962C8B-B14F-4D97-AF65-F5344CB8AC3E}">
-        <p14:creationId xmlns:p14="http://schemas.microsoft.com/office/powerpoint/2010/main" val="4246839514"/>
+        <p14:creationId xmlns:p14="http://schemas.microsoft.com/office/powerpoint/2010/main" val="1597936692"/>
       </p:ext>
     </p:extLst>
   </p:cSld>
@@ -2159,7 +2159,7 @@
           <p:cNvPr id="2" name="标题 1">
             <a:extLst>
               <a:ext uri="{FF2B5EF4-FFF2-40B4-BE49-F238E27FC236}">
-                <a16:creationId xmlns:a16="http://schemas.microsoft.com/office/drawing/2014/main" id="{2B5810D7-EBBB-663B-7AA6-4358140BEEF1}"/>
+                <a16:creationId xmlns:a16="http://schemas.microsoft.com/office/drawing/2014/main" id="{929AA358-98F6-F3A2-4A27-717E396B7B3A}"/>
               </a:ext>
             </a:extLst>
           </p:cNvPr>
@@ -2196,7 +2196,7 @@
           <p:cNvPr id="3" name="内容占位符 2">
             <a:extLst>
               <a:ext uri="{FF2B5EF4-FFF2-40B4-BE49-F238E27FC236}">
-                <a16:creationId xmlns:a16="http://schemas.microsoft.com/office/drawing/2014/main" id="{8802014D-6379-2FEF-CB9E-E1C9AB9C8535}"/>
+                <a16:creationId xmlns:a16="http://schemas.microsoft.com/office/drawing/2014/main" id="{0F3A176E-8987-19A5-0D2F-8AC4E298B6FB}"/>
               </a:ext>
             </a:extLst>
           </p:cNvPr>
@@ -2286,7 +2286,7 @@
           <p:cNvPr id="4" name="文本占位符 3">
             <a:extLst>
               <a:ext uri="{FF2B5EF4-FFF2-40B4-BE49-F238E27FC236}">
-                <a16:creationId xmlns:a16="http://schemas.microsoft.com/office/drawing/2014/main" id="{25475F3F-41D8-6B26-DA63-ED69CE06E05B}"/>
+                <a16:creationId xmlns:a16="http://schemas.microsoft.com/office/drawing/2014/main" id="{7096C9AE-E659-D87F-EF5D-22C993D23905}"/>
               </a:ext>
             </a:extLst>
           </p:cNvPr>
@@ -2357,7 +2357,7 @@
           <p:cNvPr id="5" name="日期占位符 4">
             <a:extLst>
               <a:ext uri="{FF2B5EF4-FFF2-40B4-BE49-F238E27FC236}">
-                <a16:creationId xmlns:a16="http://schemas.microsoft.com/office/drawing/2014/main" id="{0DD748ED-AF14-10D2-8050-6FDC89C43A94}"/>
+                <a16:creationId xmlns:a16="http://schemas.microsoft.com/office/drawing/2014/main" id="{3F42AB88-F3DB-D98C-82B3-3EFD9A10E69E}"/>
               </a:ext>
             </a:extLst>
           </p:cNvPr>
@@ -2373,7 +2373,7 @@
           <a:bodyPr/>
           <a:lstStyle/>
           <a:p>
-            <a:fld id="{AEED57B3-26CF-4075-992E-1A8E75572205}" type="datetimeFigureOut">
+            <a:fld id="{5478EBDD-5C39-420D-9922-9772A79DC9EF}" type="datetimeFigureOut">
               <a:rPr lang="zh-CN" altLang="en-US" smtClean="0"/>
               <a:t>2024/3/10</a:t>
             </a:fld>
@@ -2386,7 +2386,7 @@
           <p:cNvPr id="6" name="页脚占位符 5">
             <a:extLst>
               <a:ext uri="{FF2B5EF4-FFF2-40B4-BE49-F238E27FC236}">
-                <a16:creationId xmlns:a16="http://schemas.microsoft.com/office/drawing/2014/main" id="{E193E794-A431-63DA-A3FF-172FCF27DB25}"/>
+                <a16:creationId xmlns:a16="http://schemas.microsoft.com/office/drawing/2014/main" id="{BC81E5ED-1904-13A1-FC37-B73F89EC373E}"/>
               </a:ext>
             </a:extLst>
           </p:cNvPr>
@@ -2411,7 +2411,7 @@
           <p:cNvPr id="7" name="灯片编号占位符 6">
             <a:extLst>
               <a:ext uri="{FF2B5EF4-FFF2-40B4-BE49-F238E27FC236}">
-                <a16:creationId xmlns:a16="http://schemas.microsoft.com/office/drawing/2014/main" id="{DB47D4FD-931A-10EE-9AA9-D7C63F9A488B}"/>
+                <a16:creationId xmlns:a16="http://schemas.microsoft.com/office/drawing/2014/main" id="{DC58CE9E-D1CA-0A8E-E8A1-FC1B8857C2EF}"/>
               </a:ext>
             </a:extLst>
           </p:cNvPr>
@@ -2427,7 +2427,7 @@
           <a:bodyPr/>
           <a:lstStyle/>
           <a:p>
-            <a:fld id="{1F10D7C8-BCCE-4694-974D-4DB771DDA9EF}" type="slidenum">
+            <a:fld id="{9F2026AC-A32D-49CD-B9D8-FF5A60EB7356}" type="slidenum">
               <a:rPr lang="zh-CN" altLang="en-US" smtClean="0"/>
               <a:t>‹#›</a:t>
             </a:fld>
@@ -2438,7 +2438,7 @@
     </p:spTree>
     <p:extLst>
       <p:ext uri="{BB962C8B-B14F-4D97-AF65-F5344CB8AC3E}">
-        <p14:creationId xmlns:p14="http://schemas.microsoft.com/office/powerpoint/2010/main" val="405274118"/>
+        <p14:creationId xmlns:p14="http://schemas.microsoft.com/office/powerpoint/2010/main" val="2844618035"/>
       </p:ext>
     </p:extLst>
   </p:cSld>
@@ -2470,7 +2470,7 @@
           <p:cNvPr id="2" name="标题 1">
             <a:extLst>
               <a:ext uri="{FF2B5EF4-FFF2-40B4-BE49-F238E27FC236}">
-                <a16:creationId xmlns:a16="http://schemas.microsoft.com/office/drawing/2014/main" id="{B6D43086-6C4B-8C26-98DA-0CA0BE49D664}"/>
+                <a16:creationId xmlns:a16="http://schemas.microsoft.com/office/drawing/2014/main" id="{ADE8038B-6B9B-9E16-7982-6CE822901CDD}"/>
               </a:ext>
             </a:extLst>
           </p:cNvPr>
@@ -2507,7 +2507,7 @@
           <p:cNvPr id="3" name="图片占位符 2">
             <a:extLst>
               <a:ext uri="{FF2B5EF4-FFF2-40B4-BE49-F238E27FC236}">
-                <a16:creationId xmlns:a16="http://schemas.microsoft.com/office/drawing/2014/main" id="{0A7C0079-1490-CBA4-4F30-406C9E3EB4D1}"/>
+                <a16:creationId xmlns:a16="http://schemas.microsoft.com/office/drawing/2014/main" id="{A40CF22C-1121-7B78-EEE6-7FABBA854EAF}"/>
               </a:ext>
             </a:extLst>
           </p:cNvPr>
@@ -2574,7 +2574,7 @@
           <p:cNvPr id="4" name="文本占位符 3">
             <a:extLst>
               <a:ext uri="{FF2B5EF4-FFF2-40B4-BE49-F238E27FC236}">
-                <a16:creationId xmlns:a16="http://schemas.microsoft.com/office/drawing/2014/main" id="{44A9F387-CDF4-7B1E-C2C7-7851889D5570}"/>
+                <a16:creationId xmlns:a16="http://schemas.microsoft.com/office/drawing/2014/main" id="{68BF90F1-F197-2720-B674-922A3EC66373}"/>
               </a:ext>
             </a:extLst>
           </p:cNvPr>
@@ -2645,7 +2645,7 @@
           <p:cNvPr id="5" name="日期占位符 4">
             <a:extLst>
               <a:ext uri="{FF2B5EF4-FFF2-40B4-BE49-F238E27FC236}">
-                <a16:creationId xmlns:a16="http://schemas.microsoft.com/office/drawing/2014/main" id="{9829E6D6-CB4D-D082-EC20-37457987C7BB}"/>
+                <a16:creationId xmlns:a16="http://schemas.microsoft.com/office/drawing/2014/main" id="{296904CA-1611-C66E-5454-353132E1AE4C}"/>
               </a:ext>
             </a:extLst>
           </p:cNvPr>
@@ -2661,7 +2661,7 @@
           <a:bodyPr/>
           <a:lstStyle/>
           <a:p>
-            <a:fld id="{AEED57B3-26CF-4075-992E-1A8E75572205}" type="datetimeFigureOut">
+            <a:fld id="{5478EBDD-5C39-420D-9922-9772A79DC9EF}" type="datetimeFigureOut">
               <a:rPr lang="zh-CN" altLang="en-US" smtClean="0"/>
               <a:t>2024/3/10</a:t>
             </a:fld>
@@ -2674,7 +2674,7 @@
           <p:cNvPr id="6" name="页脚占位符 5">
             <a:extLst>
               <a:ext uri="{FF2B5EF4-FFF2-40B4-BE49-F238E27FC236}">
-                <a16:creationId xmlns:a16="http://schemas.microsoft.com/office/drawing/2014/main" id="{70C1215E-6851-DDB9-1DC9-040D9A0364FD}"/>
+                <a16:creationId xmlns:a16="http://schemas.microsoft.com/office/drawing/2014/main" id="{89E5EF4E-4123-4412-656E-AB4D509F8D0E}"/>
               </a:ext>
             </a:extLst>
           </p:cNvPr>
@@ -2699,7 +2699,7 @@
           <p:cNvPr id="7" name="灯片编号占位符 6">
             <a:extLst>
               <a:ext uri="{FF2B5EF4-FFF2-40B4-BE49-F238E27FC236}">
-                <a16:creationId xmlns:a16="http://schemas.microsoft.com/office/drawing/2014/main" id="{1E127ACC-E248-C6D3-CBDC-E74B5BC1967A}"/>
+                <a16:creationId xmlns:a16="http://schemas.microsoft.com/office/drawing/2014/main" id="{C421FF78-A07B-82B5-1355-4A9D12D85E49}"/>
               </a:ext>
             </a:extLst>
           </p:cNvPr>
@@ -2715,7 +2715,7 @@
           <a:bodyPr/>
           <a:lstStyle/>
           <a:p>
-            <a:fld id="{1F10D7C8-BCCE-4694-974D-4DB771DDA9EF}" type="slidenum">
+            <a:fld id="{9F2026AC-A32D-49CD-B9D8-FF5A60EB7356}" type="slidenum">
               <a:rPr lang="zh-CN" altLang="en-US" smtClean="0"/>
               <a:t>‹#›</a:t>
             </a:fld>
@@ -2726,7 +2726,7 @@
     </p:spTree>
     <p:extLst>
       <p:ext uri="{BB962C8B-B14F-4D97-AF65-F5344CB8AC3E}">
-        <p14:creationId xmlns:p14="http://schemas.microsoft.com/office/powerpoint/2010/main" val="34504314"/>
+        <p14:creationId xmlns:p14="http://schemas.microsoft.com/office/powerpoint/2010/main" val="1140733625"/>
       </p:ext>
     </p:extLst>
   </p:cSld>
@@ -2763,7 +2763,7 @@
           <p:cNvPr id="2" name="标题占位符 1">
             <a:extLst>
               <a:ext uri="{FF2B5EF4-FFF2-40B4-BE49-F238E27FC236}">
-                <a16:creationId xmlns:a16="http://schemas.microsoft.com/office/drawing/2014/main" id="{FAA1A243-223C-A2D9-CCE1-195FC6579EC5}"/>
+                <a16:creationId xmlns:a16="http://schemas.microsoft.com/office/drawing/2014/main" id="{52624052-BC74-B846-C908-3798E92D3A08}"/>
               </a:ext>
             </a:extLst>
           </p:cNvPr>
@@ -2801,7 +2801,7 @@
           <p:cNvPr id="3" name="文本占位符 2">
             <a:extLst>
               <a:ext uri="{FF2B5EF4-FFF2-40B4-BE49-F238E27FC236}">
-                <a16:creationId xmlns:a16="http://schemas.microsoft.com/office/drawing/2014/main" id="{76ECA809-037A-5EB4-CC9E-6E7A140E9242}"/>
+                <a16:creationId xmlns:a16="http://schemas.microsoft.com/office/drawing/2014/main" id="{AD0CEE82-E5F6-3C50-36B6-FBA327134AC4}"/>
               </a:ext>
             </a:extLst>
           </p:cNvPr>
@@ -2868,7 +2868,7 @@
           <p:cNvPr id="4" name="日期占位符 3">
             <a:extLst>
               <a:ext uri="{FF2B5EF4-FFF2-40B4-BE49-F238E27FC236}">
-                <a16:creationId xmlns:a16="http://schemas.microsoft.com/office/drawing/2014/main" id="{B5B2AB86-0800-4852-382E-445CE587783F}"/>
+                <a16:creationId xmlns:a16="http://schemas.microsoft.com/office/drawing/2014/main" id="{4ADA11CA-3F45-97BC-5B1B-51E8E069CDD5}"/>
               </a:ext>
             </a:extLst>
           </p:cNvPr>
@@ -2902,7 +2902,7 @@
             </a:lvl1pPr>
           </a:lstStyle>
           <a:p>
-            <a:fld id="{AEED57B3-26CF-4075-992E-1A8E75572205}" type="datetimeFigureOut">
+            <a:fld id="{5478EBDD-5C39-420D-9922-9772A79DC9EF}" type="datetimeFigureOut">
               <a:rPr lang="zh-CN" altLang="en-US" smtClean="0"/>
               <a:t>2024/3/10</a:t>
             </a:fld>
@@ -2915,7 +2915,7 @@
           <p:cNvPr id="5" name="页脚占位符 4">
             <a:extLst>
               <a:ext uri="{FF2B5EF4-FFF2-40B4-BE49-F238E27FC236}">
-                <a16:creationId xmlns:a16="http://schemas.microsoft.com/office/drawing/2014/main" id="{56A364E2-5AD9-8399-6674-ED4A4C707987}"/>
+                <a16:creationId xmlns:a16="http://schemas.microsoft.com/office/drawing/2014/main" id="{2DDB2D8F-FECD-FF5C-C00B-2EC7F41A5C83}"/>
               </a:ext>
             </a:extLst>
           </p:cNvPr>
@@ -2958,7 +2958,7 @@
           <p:cNvPr id="6" name="灯片编号占位符 5">
             <a:extLst>
               <a:ext uri="{FF2B5EF4-FFF2-40B4-BE49-F238E27FC236}">
-                <a16:creationId xmlns:a16="http://schemas.microsoft.com/office/drawing/2014/main" id="{B161045D-09F1-96FF-AB1C-702F369C3D53}"/>
+                <a16:creationId xmlns:a16="http://schemas.microsoft.com/office/drawing/2014/main" id="{C11B4F1E-1E38-7B46-40DB-0DC425F4CE0E}"/>
               </a:ext>
             </a:extLst>
           </p:cNvPr>
@@ -2992,7 +2992,7 @@
             </a:lvl1pPr>
           </a:lstStyle>
           <a:p>
-            <a:fld id="{1F10D7C8-BCCE-4694-974D-4DB771DDA9EF}" type="slidenum">
+            <a:fld id="{9F2026AC-A32D-49CD-B9D8-FF5A60EB7356}" type="slidenum">
               <a:rPr lang="zh-CN" altLang="en-US" smtClean="0"/>
               <a:t>‹#›</a:t>
             </a:fld>
@@ -3003,7 +3003,7 @@
     </p:spTree>
     <p:extLst>
       <p:ext uri="{BB962C8B-B14F-4D97-AF65-F5344CB8AC3E}">
-        <p14:creationId xmlns:p14="http://schemas.microsoft.com/office/powerpoint/2010/main" val="3225322293"/>
+        <p14:creationId xmlns:p14="http://schemas.microsoft.com/office/powerpoint/2010/main" val="2757740769"/>
       </p:ext>
     </p:extLst>
   </p:cSld>
